--- a/スライド/最終プレゼン.pptx
+++ b/スライド/最終プレゼン.pptx
@@ -12,10 +12,11 @@
     <p:sldId id="260" r:id="rId6"/>
     <p:sldId id="261" r:id="rId7"/>
     <p:sldId id="262" r:id="rId8"/>
-    <p:sldId id="265" r:id="rId9"/>
-    <p:sldId id="263" r:id="rId10"/>
-    <p:sldId id="264" r:id="rId11"/>
-    <p:sldId id="266" r:id="rId12"/>
+    <p:sldId id="267" r:id="rId9"/>
+    <p:sldId id="265" r:id="rId10"/>
+    <p:sldId id="263" r:id="rId11"/>
+    <p:sldId id="264" r:id="rId12"/>
+    <p:sldId id="266" r:id="rId13"/>
   </p:sldIdLst>
   <p:sldSz cx="12192000" cy="6858000"/>
   <p:notesSz cx="6858000" cy="9144000"/>
@@ -6297,6 +6298,120 @@
           <a:p>
             <a:pPr algn="ctr"/>
             <a:r>
+              <a:rPr kumimoji="1" lang="ja-JP" altLang="en-US" sz="8000" dirty="0"/>
+              <a:t>反省点</a:t>
+            </a:r>
+          </a:p>
+        </p:txBody>
+      </p:sp>
+      <p:sp>
+        <p:nvSpPr>
+          <p:cNvPr id="3" name="コンテンツ プレースホルダー 2">
+            <a:extLst>
+              <a:ext uri="{FF2B5EF4-FFF2-40B4-BE49-F238E27FC236}">
+                <a16:creationId xmlns:a16="http://schemas.microsoft.com/office/drawing/2014/main" id="{8B5C1689-DD0B-E048-84EF-07B702BFF55C}"/>
+              </a:ext>
+            </a:extLst>
+          </p:cNvPr>
+          <p:cNvSpPr>
+            <a:spLocks noGrp="1"/>
+          </p:cNvSpPr>
+          <p:nvPr>
+            <p:ph idx="1"/>
+          </p:nvPr>
+        </p:nvSpPr>
+        <p:spPr>
+          <a:xfrm>
+            <a:off x="529417" y="1882589"/>
+            <a:ext cx="10806454" cy="4212562"/>
+          </a:xfrm>
+        </p:spPr>
+        <p:txBody>
+          <a:bodyPr>
+            <a:normAutofit/>
+          </a:bodyPr>
+          <a:lstStyle/>
+          <a:p>
+            <a:endParaRPr kumimoji="1" lang="en-US" altLang="ja-JP" sz="3600" dirty="0"/>
+          </a:p>
+          <a:p>
+            <a:endParaRPr lang="en-US" altLang="ja-JP" sz="3600" dirty="0"/>
+          </a:p>
+          <a:p>
+            <a:r>
+              <a:rPr kumimoji="1" lang="ja-JP" altLang="en-US" sz="4000" dirty="0"/>
+              <a:t>思ったより時間が足りなかった</a:t>
+            </a:r>
+            <a:endParaRPr kumimoji="1" lang="en-US" altLang="ja-JP" sz="4000" dirty="0"/>
+          </a:p>
+          <a:p>
+            <a:pPr marL="0" indent="0">
+              <a:buNone/>
+            </a:pPr>
+            <a:endParaRPr kumimoji="1" lang="en-US" altLang="ja-JP" sz="3600" dirty="0"/>
+          </a:p>
+        </p:txBody>
+      </p:sp>
+    </p:spTree>
+    <p:extLst>
+      <p:ext uri="{BB962C8B-B14F-4D97-AF65-F5344CB8AC3E}">
+        <p14:creationId xmlns:p14="http://schemas.microsoft.com/office/powerpoint/2010/main" val="2508865649"/>
+      </p:ext>
+    </p:extLst>
+  </p:cSld>
+  <p:clrMapOvr>
+    <a:masterClrMapping/>
+  </p:clrMapOvr>
+</p:sld>
+</file>
+
+<file path=ppt/slides/slide11.xml><?xml version="1.0" encoding="utf-8"?>
+<p:sld xmlns:a="http://schemas.openxmlformats.org/drawingml/2006/main" xmlns:r="http://schemas.openxmlformats.org/officeDocument/2006/relationships" xmlns:p="http://schemas.openxmlformats.org/presentationml/2006/main">
+  <p:cSld>
+    <p:spTree>
+      <p:nvGrpSpPr>
+        <p:cNvPr id="1" name=""/>
+        <p:cNvGrpSpPr/>
+        <p:nvPr/>
+      </p:nvGrpSpPr>
+      <p:grpSpPr>
+        <a:xfrm>
+          <a:off x="0" y="0"/>
+          <a:ext cx="0" cy="0"/>
+          <a:chOff x="0" y="0"/>
+          <a:chExt cx="0" cy="0"/>
+        </a:xfrm>
+      </p:grpSpPr>
+      <p:sp>
+        <p:nvSpPr>
+          <p:cNvPr id="2" name="タイトル 1">
+            <a:extLst>
+              <a:ext uri="{FF2B5EF4-FFF2-40B4-BE49-F238E27FC236}">
+                <a16:creationId xmlns:a16="http://schemas.microsoft.com/office/drawing/2014/main" id="{D707D7E4-62E9-2048-994B-945AE25FFEE6}"/>
+              </a:ext>
+            </a:extLst>
+          </p:cNvPr>
+          <p:cNvSpPr>
+            <a:spLocks noGrp="1"/>
+          </p:cNvSpPr>
+          <p:nvPr>
+            <p:ph type="title"/>
+          </p:nvPr>
+        </p:nvSpPr>
+        <p:spPr>
+          <a:xfrm>
+            <a:off x="677334" y="609600"/>
+            <a:ext cx="8596668" cy="1017494"/>
+          </a:xfrm>
+        </p:spPr>
+        <p:txBody>
+          <a:bodyPr>
+            <a:normAutofit fontScale="90000"/>
+          </a:bodyPr>
+          <a:lstStyle/>
+          <a:p>
+            <a:pPr algn="ctr"/>
+            <a:r>
               <a:rPr lang="ja-JP" altLang="en-US" sz="8000" dirty="0"/>
               <a:t>良かった点</a:t>
             </a:r>
@@ -6363,7 +6478,7 @@
 </p:sld>
 </file>
 
-<file path=ppt/slides/slide11.xml><?xml version="1.0" encoding="utf-8"?>
+<file path=ppt/slides/slide12.xml><?xml version="1.0" encoding="utf-8"?>
 <p:sld xmlns:a="http://schemas.openxmlformats.org/drawingml/2006/main" xmlns:r="http://schemas.openxmlformats.org/officeDocument/2006/relationships" xmlns:p="http://schemas.openxmlformats.org/presentationml/2006/main">
   <p:cSld>
     <p:spTree>
@@ -7443,72 +7558,109 @@
       </p:grpSpPr>
       <p:sp>
         <p:nvSpPr>
-          <p:cNvPr id="2" name="正方形/長方形 1">
+          <p:cNvPr id="2" name="タイトル 1">
             <a:extLst>
               <a:ext uri="{FF2B5EF4-FFF2-40B4-BE49-F238E27FC236}">
-                <a16:creationId xmlns:a16="http://schemas.microsoft.com/office/drawing/2014/main" id="{610FC338-C36F-2746-AF46-F1656AEE4F78}"/>
+                <a16:creationId xmlns:a16="http://schemas.microsoft.com/office/drawing/2014/main" id="{D707D7E4-62E9-2048-994B-945AE25FFEE6}"/>
               </a:ext>
             </a:extLst>
           </p:cNvPr>
-          <p:cNvSpPr/>
-          <p:nvPr/>
+          <p:cNvSpPr>
+            <a:spLocks noGrp="1"/>
+          </p:cNvSpPr>
+          <p:nvPr>
+            <p:ph type="title"/>
+          </p:nvPr>
         </p:nvSpPr>
         <p:spPr>
           <a:xfrm>
-            <a:off x="-242046" y="2178422"/>
-            <a:ext cx="10784540" cy="3154710"/>
+            <a:off x="677334" y="609600"/>
+            <a:ext cx="8596668" cy="1017494"/>
           </a:xfrm>
-          <a:prstGeom prst="rect">
-            <a:avLst/>
-          </a:prstGeom>
-          <a:noFill/>
         </p:spPr>
         <p:txBody>
-          <a:bodyPr wrap="square" lIns="91440" tIns="45720" rIns="91440" bIns="45720">
-            <a:spAutoFit/>
+          <a:bodyPr>
+            <a:normAutofit/>
           </a:bodyPr>
           <a:lstStyle/>
           <a:p>
             <a:pPr algn="ctr"/>
             <a:r>
-              <a:rPr lang="ja-JP" altLang="en-US" sz="19900" b="1" dirty="0">
-                <a:ln w="22225">
-                  <a:solidFill>
-                    <a:schemeClr val="accent2"/>
-                  </a:solidFill>
-                  <a:prstDash val="solid"/>
-                </a:ln>
-                <a:solidFill>
-                  <a:schemeClr val="accent2">
-                    <a:lumMod val="40000"/>
-                    <a:lumOff val="60000"/>
-                  </a:schemeClr>
-                </a:solidFill>
-              </a:rPr>
-              <a:t>デモ</a:t>
-            </a:r>
-            <a:endParaRPr lang="ja-JP" altLang="en-US" sz="19900" b="1" cap="none" spc="0" dirty="0">
-              <a:ln w="22225">
-                <a:solidFill>
-                  <a:schemeClr val="accent2"/>
-                </a:solidFill>
-                <a:prstDash val="solid"/>
-              </a:ln>
-              <a:solidFill>
-                <a:schemeClr val="accent2">
-                  <a:lumMod val="40000"/>
-                  <a:lumOff val="60000"/>
-                </a:schemeClr>
-              </a:solidFill>
-              <a:effectLst/>
-            </a:endParaRPr>
+              <a:rPr lang="ja-JP" altLang="en-US" sz="4800" dirty="0"/>
+              <a:t>その他作業</a:t>
+            </a:r>
+            <a:endParaRPr kumimoji="1" lang="ja-JP" altLang="en-US" sz="8000" dirty="0"/>
+          </a:p>
+        </p:txBody>
+      </p:sp>
+      <p:sp>
+        <p:nvSpPr>
+          <p:cNvPr id="3" name="コンテンツ プレースホルダー 2">
+            <a:extLst>
+              <a:ext uri="{FF2B5EF4-FFF2-40B4-BE49-F238E27FC236}">
+                <a16:creationId xmlns:a16="http://schemas.microsoft.com/office/drawing/2014/main" id="{8B5C1689-DD0B-E048-84EF-07B702BFF55C}"/>
+              </a:ext>
+            </a:extLst>
+          </p:cNvPr>
+          <p:cNvSpPr>
+            <a:spLocks noGrp="1"/>
+          </p:cNvSpPr>
+          <p:nvPr>
+            <p:ph idx="1"/>
+          </p:nvPr>
+        </p:nvSpPr>
+        <p:spPr>
+          <a:xfrm>
+            <a:off x="529417" y="1882589"/>
+            <a:ext cx="10806454" cy="4212562"/>
+          </a:xfrm>
+        </p:spPr>
+        <p:txBody>
+          <a:bodyPr>
+            <a:normAutofit/>
+          </a:bodyPr>
+          <a:lstStyle/>
+          <a:p>
+            <a:endParaRPr kumimoji="1" lang="en-US" altLang="ja-JP" sz="3600"/>
+          </a:p>
+          <a:p>
+            <a:r>
+              <a:rPr kumimoji="1" lang="ja-JP" altLang="en-US" sz="3600"/>
+              <a:t>絵</a:t>
+            </a:r>
+            <a:r>
+              <a:rPr kumimoji="1" lang="ja-JP" altLang="en-US" sz="3600" dirty="0"/>
+              <a:t>コンテ</a:t>
+            </a:r>
+            <a:endParaRPr kumimoji="1" lang="en-US" altLang="ja-JP" sz="3600" dirty="0"/>
+          </a:p>
+          <a:p>
+            <a:r>
+              <a:rPr lang="ja-JP" altLang="en-US" sz="3600" dirty="0"/>
+              <a:t>アプリの画面遷移考案</a:t>
+            </a:r>
+            <a:endParaRPr lang="en-US" altLang="ja-JP" sz="3600" dirty="0"/>
+          </a:p>
+          <a:p>
+            <a:r>
+              <a:rPr lang="ja-JP" altLang="en-US" sz="3600" dirty="0"/>
+              <a:t>音楽、効果音探し</a:t>
+            </a:r>
+            <a:endParaRPr lang="en-US" altLang="ja-JP" sz="3600" dirty="0"/>
+          </a:p>
+          <a:p>
+            <a:r>
+              <a:rPr kumimoji="1" lang="ja-JP" altLang="en-US" sz="3600" dirty="0"/>
+              <a:t>進捗管理など</a:t>
+            </a:r>
+            <a:endParaRPr kumimoji="1" lang="en-US" altLang="ja-JP" sz="3600" dirty="0"/>
           </a:p>
         </p:txBody>
       </p:sp>
     </p:spTree>
     <p:extLst>
       <p:ext uri="{BB962C8B-B14F-4D97-AF65-F5344CB8AC3E}">
-        <p14:creationId xmlns:p14="http://schemas.microsoft.com/office/powerpoint/2010/main" val="3450914686"/>
+        <p14:creationId xmlns:p14="http://schemas.microsoft.com/office/powerpoint/2010/main" val="1259363626"/>
       </p:ext>
     </p:extLst>
   </p:cSld>
@@ -7537,92 +7689,72 @@
       </p:grpSpPr>
       <p:sp>
         <p:nvSpPr>
-          <p:cNvPr id="2" name="タイトル 1">
+          <p:cNvPr id="2" name="正方形/長方形 1">
             <a:extLst>
               <a:ext uri="{FF2B5EF4-FFF2-40B4-BE49-F238E27FC236}">
-                <a16:creationId xmlns:a16="http://schemas.microsoft.com/office/drawing/2014/main" id="{D707D7E4-62E9-2048-994B-945AE25FFEE6}"/>
+                <a16:creationId xmlns:a16="http://schemas.microsoft.com/office/drawing/2014/main" id="{610FC338-C36F-2746-AF46-F1656AEE4F78}"/>
               </a:ext>
             </a:extLst>
           </p:cNvPr>
-          <p:cNvSpPr>
-            <a:spLocks noGrp="1"/>
-          </p:cNvSpPr>
-          <p:nvPr>
-            <p:ph type="title"/>
-          </p:nvPr>
+          <p:cNvSpPr/>
+          <p:nvPr/>
         </p:nvSpPr>
         <p:spPr>
           <a:xfrm>
-            <a:off x="677334" y="609600"/>
-            <a:ext cx="8596668" cy="1017494"/>
+            <a:off x="-242046" y="2178422"/>
+            <a:ext cx="10784540" cy="3154710"/>
           </a:xfrm>
+          <a:prstGeom prst="rect">
+            <a:avLst/>
+          </a:prstGeom>
+          <a:noFill/>
         </p:spPr>
         <p:txBody>
-          <a:bodyPr>
-            <a:normAutofit fontScale="90000"/>
+          <a:bodyPr wrap="square" lIns="91440" tIns="45720" rIns="91440" bIns="45720">
+            <a:spAutoFit/>
           </a:bodyPr>
           <a:lstStyle/>
           <a:p>
             <a:pPr algn="ctr"/>
             <a:r>
-              <a:rPr kumimoji="1" lang="ja-JP" altLang="en-US" sz="8000" dirty="0"/>
-              <a:t>反省点</a:t>
-            </a:r>
-          </a:p>
-        </p:txBody>
-      </p:sp>
-      <p:sp>
-        <p:nvSpPr>
-          <p:cNvPr id="3" name="コンテンツ プレースホルダー 2">
-            <a:extLst>
-              <a:ext uri="{FF2B5EF4-FFF2-40B4-BE49-F238E27FC236}">
-                <a16:creationId xmlns:a16="http://schemas.microsoft.com/office/drawing/2014/main" id="{8B5C1689-DD0B-E048-84EF-07B702BFF55C}"/>
-              </a:ext>
-            </a:extLst>
-          </p:cNvPr>
-          <p:cNvSpPr>
-            <a:spLocks noGrp="1"/>
-          </p:cNvSpPr>
-          <p:nvPr>
-            <p:ph idx="1"/>
-          </p:nvPr>
-        </p:nvSpPr>
-        <p:spPr>
-          <a:xfrm>
-            <a:off x="529417" y="1882589"/>
-            <a:ext cx="10806454" cy="4212562"/>
-          </a:xfrm>
-        </p:spPr>
-        <p:txBody>
-          <a:bodyPr>
-            <a:normAutofit/>
-          </a:bodyPr>
-          <a:lstStyle/>
-          <a:p>
-            <a:endParaRPr kumimoji="1" lang="en-US" altLang="ja-JP" sz="3600" dirty="0"/>
-          </a:p>
-          <a:p>
-            <a:endParaRPr lang="en-US" altLang="ja-JP" sz="3600" dirty="0"/>
-          </a:p>
-          <a:p>
-            <a:r>
-              <a:rPr kumimoji="1" lang="ja-JP" altLang="en-US" sz="4000" dirty="0"/>
-              <a:t>思ったより時間が足りなかった</a:t>
-            </a:r>
-            <a:endParaRPr kumimoji="1" lang="en-US" altLang="ja-JP" sz="4000" dirty="0"/>
-          </a:p>
-          <a:p>
-            <a:pPr marL="0" indent="0">
-              <a:buNone/>
-            </a:pPr>
-            <a:endParaRPr kumimoji="1" lang="en-US" altLang="ja-JP" sz="3600" dirty="0"/>
+              <a:rPr lang="ja-JP" altLang="en-US" sz="19900" b="1" dirty="0">
+                <a:ln w="22225">
+                  <a:solidFill>
+                    <a:schemeClr val="accent2"/>
+                  </a:solidFill>
+                  <a:prstDash val="solid"/>
+                </a:ln>
+                <a:solidFill>
+                  <a:schemeClr val="accent2">
+                    <a:lumMod val="40000"/>
+                    <a:lumOff val="60000"/>
+                  </a:schemeClr>
+                </a:solidFill>
+              </a:rPr>
+              <a:t>デモ</a:t>
+            </a:r>
+            <a:endParaRPr lang="ja-JP" altLang="en-US" sz="19900" b="1" cap="none" spc="0" dirty="0">
+              <a:ln w="22225">
+                <a:solidFill>
+                  <a:schemeClr val="accent2"/>
+                </a:solidFill>
+                <a:prstDash val="solid"/>
+              </a:ln>
+              <a:solidFill>
+                <a:schemeClr val="accent2">
+                  <a:lumMod val="40000"/>
+                  <a:lumOff val="60000"/>
+                </a:schemeClr>
+              </a:solidFill>
+              <a:effectLst/>
+            </a:endParaRPr>
           </a:p>
         </p:txBody>
       </p:sp>
     </p:spTree>
     <p:extLst>
       <p:ext uri="{BB962C8B-B14F-4D97-AF65-F5344CB8AC3E}">
-        <p14:creationId xmlns:p14="http://schemas.microsoft.com/office/powerpoint/2010/main" val="2508865649"/>
+        <p14:creationId xmlns:p14="http://schemas.microsoft.com/office/powerpoint/2010/main" val="3450914686"/>
       </p:ext>
     </p:extLst>
   </p:cSld>
